--- a/Adopter l'approche Agile/Formation Git.pptx
+++ b/Adopter l'approche Agile/Formation Git.pptx
@@ -5,7 +5,7 @@
     <p:sldMasterId id="2147483669" r:id="rId1"/>
   </p:sldMasterIdLst>
   <p:notesMasterIdLst>
-    <p:notesMasterId r:id="rId23"/>
+    <p:notesMasterId r:id="rId34"/>
   </p:notesMasterIdLst>
   <p:sldIdLst>
     <p:sldId id="256" r:id="rId2"/>
@@ -29,6 +29,17 @@
     <p:sldId id="274" r:id="rId20"/>
     <p:sldId id="275" r:id="rId21"/>
     <p:sldId id="276" r:id="rId22"/>
+    <p:sldId id="277" r:id="rId23"/>
+    <p:sldId id="278" r:id="rId24"/>
+    <p:sldId id="279" r:id="rId25"/>
+    <p:sldId id="280" r:id="rId26"/>
+    <p:sldId id="281" r:id="rId27"/>
+    <p:sldId id="282" r:id="rId28"/>
+    <p:sldId id="283" r:id="rId29"/>
+    <p:sldId id="284" r:id="rId30"/>
+    <p:sldId id="287" r:id="rId31"/>
+    <p:sldId id="285" r:id="rId32"/>
+    <p:sldId id="286" r:id="rId33"/>
   </p:sldIdLst>
   <p:sldSz cx="12192000" cy="6858000"/>
   <p:notesSz cx="6858000" cy="9144000"/>
@@ -1203,7 +1214,7 @@
           <a:p>
             <a:fld id="{4AAD347D-5ACD-4C99-B74B-A9C85AD731AF}" type="datetimeFigureOut">
               <a:rPr lang="en-US" smtClean="0"/>
-              <a:t>12/29/2022</a:t>
+              <a:t>12/30/2022</a:t>
             </a:fld>
             <a:endParaRPr lang="en-US" dirty="0"/>
           </a:p>
@@ -1454,7 +1465,7 @@
           <a:p>
             <a:fld id="{4AAD347D-5ACD-4C99-B74B-A9C85AD731AF}" type="datetimeFigureOut">
               <a:rPr lang="en-US" smtClean="0"/>
-              <a:t>12/29/2022</a:t>
+              <a:t>12/30/2022</a:t>
             </a:fld>
             <a:endParaRPr lang="en-US" dirty="0"/>
           </a:p>
@@ -1769,7 +1780,7 @@
           <a:p>
             <a:fld id="{4AAD347D-5ACD-4C99-B74B-A9C85AD731AF}" type="datetimeFigureOut">
               <a:rPr lang="en-US" smtClean="0"/>
-              <a:t>12/29/2022</a:t>
+              <a:t>12/30/2022</a:t>
             </a:fld>
             <a:endParaRPr lang="en-US" dirty="0"/>
           </a:p>
@@ -2111,7 +2122,7 @@
           <a:p>
             <a:fld id="{4509A250-FF31-4206-8172-F9D3106AACB1}" type="datetimeFigureOut">
               <a:rPr lang="en-US" smtClean="0"/>
-              <a:t>12/29/2022</a:t>
+              <a:t>12/30/2022</a:t>
             </a:fld>
             <a:endParaRPr lang="en-US" dirty="0"/>
           </a:p>
@@ -2426,7 +2437,7 @@
           <a:p>
             <a:fld id="{4AAD347D-5ACD-4C99-B74B-A9C85AD731AF}" type="datetimeFigureOut">
               <a:rPr lang="en-US" smtClean="0"/>
-              <a:t>12/29/2022</a:t>
+              <a:t>12/30/2022</a:t>
             </a:fld>
             <a:endParaRPr lang="en-US" dirty="0"/>
           </a:p>
@@ -2820,7 +2831,7 @@
           <a:p>
             <a:fld id="{4AAD347D-5ACD-4C99-B74B-A9C85AD731AF}" type="datetimeFigureOut">
               <a:rPr lang="en-US" smtClean="0"/>
-              <a:t>12/29/2022</a:t>
+              <a:t>12/30/2022</a:t>
             </a:fld>
             <a:endParaRPr lang="en-US" dirty="0"/>
           </a:p>
@@ -2991,7 +3002,7 @@
           <a:p>
             <a:fld id="{4509A250-FF31-4206-8172-F9D3106AACB1}" type="datetimeFigureOut">
               <a:rPr lang="en-US" smtClean="0"/>
-              <a:t>12/29/2022</a:t>
+              <a:t>12/30/2022</a:t>
             </a:fld>
             <a:endParaRPr lang="en-US" dirty="0"/>
           </a:p>
@@ -3172,7 +3183,7 @@
           <a:p>
             <a:fld id="{4509A250-FF31-4206-8172-F9D3106AACB1}" type="datetimeFigureOut">
               <a:rPr lang="en-US" smtClean="0"/>
-              <a:t>12/29/2022</a:t>
+              <a:t>12/30/2022</a:t>
             </a:fld>
             <a:endParaRPr lang="en-US" dirty="0"/>
           </a:p>
@@ -3349,7 +3360,7 @@
           <a:p>
             <a:fld id="{4509A250-FF31-4206-8172-F9D3106AACB1}" type="datetimeFigureOut">
               <a:rPr lang="en-US" smtClean="0"/>
-              <a:t>12/29/2022</a:t>
+              <a:t>12/30/2022</a:t>
             </a:fld>
             <a:endParaRPr lang="en-US" dirty="0"/>
           </a:p>
@@ -3597,7 +3608,7 @@
           <a:p>
             <a:fld id="{9796027F-7875-4030-9381-8BD8C4F21935}" type="datetimeFigureOut">
               <a:rPr lang="en-US" smtClean="0"/>
-              <a:t>12/29/2022</a:t>
+              <a:t>12/30/2022</a:t>
             </a:fld>
             <a:endParaRPr lang="en-US" dirty="0"/>
           </a:p>
@@ -3830,7 +3841,7 @@
           <a:p>
             <a:fld id="{9796027F-7875-4030-9381-8BD8C4F21935}" type="datetimeFigureOut">
               <a:rPr lang="en-US" smtClean="0"/>
-              <a:t>12/29/2022</a:t>
+              <a:t>12/30/2022</a:t>
             </a:fld>
             <a:endParaRPr lang="en-US" dirty="0"/>
           </a:p>
@@ -4205,7 +4216,7 @@
           <a:p>
             <a:fld id="{9796027F-7875-4030-9381-8BD8C4F21935}" type="datetimeFigureOut">
               <a:rPr lang="en-US" smtClean="0"/>
-              <a:t>12/29/2022</a:t>
+              <a:t>12/30/2022</a:t>
             </a:fld>
             <a:endParaRPr lang="en-US" dirty="0"/>
           </a:p>
@@ -4329,7 +4340,7 @@
           <a:p>
             <a:fld id="{4509A250-FF31-4206-8172-F9D3106AACB1}" type="datetimeFigureOut">
               <a:rPr lang="en-US" smtClean="0"/>
-              <a:t>12/29/2022</a:t>
+              <a:t>12/30/2022</a:t>
             </a:fld>
             <a:endParaRPr lang="en-US" dirty="0"/>
           </a:p>
@@ -4425,7 +4436,7 @@
           <a:p>
             <a:fld id="{4509A250-FF31-4206-8172-F9D3106AACB1}" type="datetimeFigureOut">
               <a:rPr lang="en-US" smtClean="0"/>
-              <a:t>12/29/2022</a:t>
+              <a:t>12/30/2022</a:t>
             </a:fld>
             <a:endParaRPr lang="en-US" dirty="0"/>
           </a:p>
@@ -4681,7 +4692,7 @@
           <a:p>
             <a:fld id="{4509A250-FF31-4206-8172-F9D3106AACB1}" type="datetimeFigureOut">
               <a:rPr lang="en-US" smtClean="0"/>
-              <a:t>12/29/2022</a:t>
+              <a:t>12/30/2022</a:t>
             </a:fld>
             <a:endParaRPr lang="en-US" dirty="0"/>
           </a:p>
@@ -4945,7 +4956,7 @@
           <a:p>
             <a:fld id="{4509A250-FF31-4206-8172-F9D3106AACB1}" type="datetimeFigureOut">
               <a:rPr lang="en-US" smtClean="0"/>
-              <a:t>12/29/2022</a:t>
+              <a:t>12/30/2022</a:t>
             </a:fld>
             <a:endParaRPr lang="en-US" dirty="0"/>
           </a:p>
@@ -5689,7 +5700,7 @@
           <a:p>
             <a:fld id="{4AAD347D-5ACD-4C99-B74B-A9C85AD731AF}" type="datetimeFigureOut">
               <a:rPr lang="en-US" smtClean="0"/>
-              <a:t>12/29/2022</a:t>
+              <a:t>12/30/2022</a:t>
             </a:fld>
             <a:endParaRPr lang="en-US" dirty="0"/>
           </a:p>
@@ -8809,6 +8820,1347 @@
 </p:sld>
 </file>
 
+<file path=ppt/slides/slide22.xml><?xml version="1.0" encoding="utf-8"?>
+<p:sld xmlns:a="http://schemas.openxmlformats.org/drawingml/2006/main" xmlns:r="http://schemas.openxmlformats.org/officeDocument/2006/relationships" xmlns:p="http://schemas.openxmlformats.org/presentationml/2006/main">
+  <p:cSld>
+    <p:spTree>
+      <p:nvGrpSpPr>
+        <p:cNvPr id="1" name=""/>
+        <p:cNvGrpSpPr/>
+        <p:nvPr/>
+      </p:nvGrpSpPr>
+      <p:grpSpPr>
+        <a:xfrm>
+          <a:off x="0" y="0"/>
+          <a:ext cx="0" cy="0"/>
+          <a:chOff x="0" y="0"/>
+          <a:chExt cx="0" cy="0"/>
+        </a:xfrm>
+      </p:grpSpPr>
+      <p:sp>
+        <p:nvSpPr>
+          <p:cNvPr id="2" name="Titre 1">
+            <a:extLst>
+              <a:ext uri="{FF2B5EF4-FFF2-40B4-BE49-F238E27FC236}">
+                <a16:creationId xmlns:a16="http://schemas.microsoft.com/office/drawing/2014/main" id="{6D45C20F-FB74-4649-CB8B-AF2347E06DDF}"/>
+              </a:ext>
+            </a:extLst>
+          </p:cNvPr>
+          <p:cNvSpPr>
+            <a:spLocks noGrp="1"/>
+          </p:cNvSpPr>
+          <p:nvPr>
+            <p:ph type="title"/>
+          </p:nvPr>
+        </p:nvSpPr>
+        <p:spPr/>
+        <p:txBody>
+          <a:bodyPr/>
+          <a:lstStyle/>
+          <a:p>
+            <a:r>
+              <a:rPr lang="fr-FR" dirty="0"/>
+              <a:t>Revenir en arrière</a:t>
+            </a:r>
+          </a:p>
+        </p:txBody>
+      </p:sp>
+      <p:sp>
+        <p:nvSpPr>
+          <p:cNvPr id="3" name="Espace réservé du contenu 2">
+            <a:extLst>
+              <a:ext uri="{FF2B5EF4-FFF2-40B4-BE49-F238E27FC236}">
+                <a16:creationId xmlns:a16="http://schemas.microsoft.com/office/drawing/2014/main" id="{13CEDB97-885D-4818-9F17-1E612CB162FF}"/>
+              </a:ext>
+            </a:extLst>
+          </p:cNvPr>
+          <p:cNvSpPr>
+            <a:spLocks noGrp="1"/>
+          </p:cNvSpPr>
+          <p:nvPr>
+            <p:ph idx="1"/>
+          </p:nvPr>
+        </p:nvSpPr>
+        <p:spPr/>
+        <p:txBody>
+          <a:bodyPr>
+            <a:normAutofit fontScale="92500"/>
+          </a:bodyPr>
+          <a:lstStyle/>
+          <a:p>
+            <a:r>
+              <a:rPr lang="fr-FR" sz="2400" dirty="0"/>
+              <a:t>La commande </a:t>
+            </a:r>
+            <a:r>
+              <a:rPr lang="fr-FR" sz="2800" dirty="0">
+                <a:solidFill>
+                  <a:srgbClr val="FF0000"/>
+                </a:solidFill>
+              </a:rPr>
+              <a:t>git </a:t>
+            </a:r>
+            <a:r>
+              <a:rPr lang="fr-FR" sz="2800" dirty="0" err="1">
+                <a:solidFill>
+                  <a:srgbClr val="FF0000"/>
+                </a:solidFill>
+              </a:rPr>
+              <a:t>checkout</a:t>
+            </a:r>
+            <a:r>
+              <a:rPr lang="fr-FR" sz="2800" dirty="0">
+                <a:solidFill>
+                  <a:srgbClr val="FF0000"/>
+                </a:solidFill>
+              </a:rPr>
+              <a:t> </a:t>
+            </a:r>
+            <a:r>
+              <a:rPr lang="fr-FR" sz="2400" dirty="0"/>
+              <a:t>est une commande utilisée pour naviguer entre les différentes branches de votre dépôt Git. </a:t>
+            </a:r>
+          </a:p>
+          <a:p>
+            <a:r>
+              <a:rPr lang="fr-FR" sz="2400" dirty="0"/>
+              <a:t>Pour basculer sur une autre branche existante, vous pouvez utiliser la commande </a:t>
+            </a:r>
+            <a:r>
+              <a:rPr lang="fr-FR" sz="2400" b="1" dirty="0">
+                <a:solidFill>
+                  <a:srgbClr val="FF0000"/>
+                </a:solidFill>
+              </a:rPr>
+              <a:t>git </a:t>
+            </a:r>
+            <a:r>
+              <a:rPr lang="fr-FR" sz="2400" b="1" dirty="0" err="1">
+                <a:solidFill>
+                  <a:srgbClr val="FF0000"/>
+                </a:solidFill>
+              </a:rPr>
+              <a:t>checkout</a:t>
+            </a:r>
+            <a:r>
+              <a:rPr lang="fr-FR" sz="2400" b="1" dirty="0">
+                <a:solidFill>
+                  <a:srgbClr val="FF0000"/>
+                </a:solidFill>
+              </a:rPr>
+              <a:t> &lt;nom-de-la-branche&gt;</a:t>
+            </a:r>
+            <a:r>
+              <a:rPr lang="fr-FR" sz="2400" dirty="0"/>
+              <a:t>.Ou </a:t>
+            </a:r>
+            <a:r>
+              <a:rPr lang="fr-FR" sz="2200" b="1" dirty="0">
+                <a:solidFill>
+                  <a:srgbClr val="FF0000"/>
+                </a:solidFill>
+              </a:rPr>
+              <a:t>git </a:t>
+            </a:r>
+            <a:r>
+              <a:rPr lang="fr-FR" sz="2200" b="1" dirty="0" err="1">
+                <a:solidFill>
+                  <a:srgbClr val="FF0000"/>
+                </a:solidFill>
+              </a:rPr>
+              <a:t>checkout</a:t>
+            </a:r>
+            <a:r>
+              <a:rPr lang="fr-FR" sz="2200" b="1" dirty="0">
+                <a:solidFill>
+                  <a:srgbClr val="FF0000"/>
+                </a:solidFill>
+              </a:rPr>
+              <a:t> &lt;num-de-commit&gt; </a:t>
+            </a:r>
+            <a:r>
+              <a:rPr lang="fr-FR" sz="2400" dirty="0"/>
+              <a:t>Cette commande va changer votre répertoire de travail pour refléter l'état de la branche spécifiée. Si vous avez des modifications non enregistrées dans votre répertoire de travail, vous devrez d'abord les enregistrer (en utilisant git </a:t>
+            </a:r>
+            <a:r>
+              <a:rPr lang="fr-FR" sz="2400" dirty="0" err="1"/>
+              <a:t>add</a:t>
+            </a:r>
+            <a:r>
+              <a:rPr lang="fr-FR" sz="2400" dirty="0"/>
+              <a:t> et git commit) ou les abandonner avant de pouvoir basculer sur une autre branche.</a:t>
+            </a:r>
+          </a:p>
+        </p:txBody>
+      </p:sp>
+    </p:spTree>
+    <p:extLst>
+      <p:ext uri="{BB962C8B-B14F-4D97-AF65-F5344CB8AC3E}">
+        <p14:creationId xmlns:p14="http://schemas.microsoft.com/office/powerpoint/2010/main" val="2182234599"/>
+      </p:ext>
+    </p:extLst>
+  </p:cSld>
+  <p:clrMapOvr>
+    <a:masterClrMapping/>
+  </p:clrMapOvr>
+</p:sld>
+</file>
+
+<file path=ppt/slides/slide23.xml><?xml version="1.0" encoding="utf-8"?>
+<p:sld xmlns:a="http://schemas.openxmlformats.org/drawingml/2006/main" xmlns:r="http://schemas.openxmlformats.org/officeDocument/2006/relationships" xmlns:p="http://schemas.openxmlformats.org/presentationml/2006/main">
+  <p:cSld>
+    <p:spTree>
+      <p:nvGrpSpPr>
+        <p:cNvPr id="1" name=""/>
+        <p:cNvGrpSpPr/>
+        <p:nvPr/>
+      </p:nvGrpSpPr>
+      <p:grpSpPr>
+        <a:xfrm>
+          <a:off x="0" y="0"/>
+          <a:ext cx="0" cy="0"/>
+          <a:chOff x="0" y="0"/>
+          <a:chExt cx="0" cy="0"/>
+        </a:xfrm>
+      </p:grpSpPr>
+      <p:sp>
+        <p:nvSpPr>
+          <p:cNvPr id="2" name="Titre 1">
+            <a:extLst>
+              <a:ext uri="{FF2B5EF4-FFF2-40B4-BE49-F238E27FC236}">
+                <a16:creationId xmlns:a16="http://schemas.microsoft.com/office/drawing/2014/main" id="{8083463F-4D88-84D3-88C4-EF49A6B6BF98}"/>
+              </a:ext>
+            </a:extLst>
+          </p:cNvPr>
+          <p:cNvSpPr>
+            <a:spLocks noGrp="1"/>
+          </p:cNvSpPr>
+          <p:nvPr>
+            <p:ph type="title"/>
+          </p:nvPr>
+        </p:nvSpPr>
+        <p:spPr/>
+        <p:txBody>
+          <a:bodyPr/>
+          <a:lstStyle/>
+          <a:p>
+            <a:r>
+              <a:rPr lang="fr-FR" dirty="0"/>
+              <a:t>Utilisation de </a:t>
+            </a:r>
+            <a:r>
+              <a:rPr lang="fr-FR" dirty="0" err="1"/>
+              <a:t>checkout</a:t>
+            </a:r>
+            <a:endParaRPr lang="fr-FR" dirty="0"/>
+          </a:p>
+        </p:txBody>
+      </p:sp>
+      <p:sp>
+        <p:nvSpPr>
+          <p:cNvPr id="3" name="Espace réservé du contenu 2">
+            <a:extLst>
+              <a:ext uri="{FF2B5EF4-FFF2-40B4-BE49-F238E27FC236}">
+                <a16:creationId xmlns:a16="http://schemas.microsoft.com/office/drawing/2014/main" id="{14053B91-8A33-D433-447F-21E7F482B1B0}"/>
+              </a:ext>
+            </a:extLst>
+          </p:cNvPr>
+          <p:cNvSpPr>
+            <a:spLocks noGrp="1"/>
+          </p:cNvSpPr>
+          <p:nvPr>
+            <p:ph idx="1"/>
+          </p:nvPr>
+        </p:nvSpPr>
+        <p:spPr/>
+        <p:txBody>
+          <a:bodyPr/>
+          <a:lstStyle/>
+          <a:p>
+            <a:r>
+              <a:rPr lang="fr-FR" dirty="0"/>
+              <a:t>Créez un nouveau fichier «</a:t>
+            </a:r>
+            <a:r>
+              <a:rPr lang="fr-FR" b="1" dirty="0">
+                <a:solidFill>
+                  <a:srgbClr val="FF0000"/>
+                </a:solidFill>
+              </a:rPr>
+              <a:t> </a:t>
+            </a:r>
+            <a:r>
+              <a:rPr lang="fr-FR" b="1" dirty="0" err="1">
+                <a:solidFill>
+                  <a:srgbClr val="FF0000"/>
+                </a:solidFill>
+              </a:rPr>
+              <a:t>produit.php</a:t>
+            </a:r>
+            <a:r>
+              <a:rPr lang="fr-FR" b="1" dirty="0">
+                <a:solidFill>
+                  <a:srgbClr val="FF0000"/>
+                </a:solidFill>
+              </a:rPr>
+              <a:t> </a:t>
+            </a:r>
+            <a:r>
+              <a:rPr lang="fr-FR" dirty="0"/>
+              <a:t>»</a:t>
+            </a:r>
+          </a:p>
+          <a:p>
+            <a:r>
+              <a:rPr lang="fr-FR" dirty="0" err="1"/>
+              <a:t>Ecriver</a:t>
+            </a:r>
+            <a:r>
+              <a:rPr lang="fr-FR" dirty="0"/>
+              <a:t> un code html dans ce projet et ajouter le avec git </a:t>
+            </a:r>
+            <a:r>
+              <a:rPr lang="fr-FR" dirty="0" err="1"/>
+              <a:t>add</a:t>
+            </a:r>
+            <a:r>
+              <a:rPr lang="fr-FR" dirty="0"/>
+              <a:t> et </a:t>
+            </a:r>
+            <a:r>
+              <a:rPr lang="fr-FR" dirty="0" err="1"/>
+              <a:t>commitez</a:t>
+            </a:r>
+            <a:r>
+              <a:rPr lang="fr-FR" dirty="0"/>
+              <a:t> le avec git commit</a:t>
+            </a:r>
+          </a:p>
+          <a:p>
+            <a:r>
+              <a:rPr lang="fr-FR" dirty="0"/>
+              <a:t>Faire 3 fois les modification et les </a:t>
+            </a:r>
+            <a:r>
+              <a:rPr lang="fr-FR" dirty="0" err="1"/>
+              <a:t>commits</a:t>
+            </a:r>
+            <a:endParaRPr lang="fr-FR" dirty="0"/>
+          </a:p>
+          <a:p>
+            <a:r>
+              <a:rPr lang="fr-FR" dirty="0"/>
+              <a:t>Afficher votre log avec l’option </a:t>
+            </a:r>
+            <a:r>
+              <a:rPr lang="fr-FR" dirty="0" err="1"/>
+              <a:t>oneline</a:t>
+            </a:r>
+            <a:endParaRPr lang="fr-FR" dirty="0"/>
+          </a:p>
+          <a:p>
+            <a:r>
+              <a:rPr lang="fr-FR" dirty="0"/>
+              <a:t>Vous souhaitez maintenant revenir à l’état de la deuxième modification</a:t>
+            </a:r>
+          </a:p>
+          <a:p>
+            <a:r>
+              <a:rPr lang="fr-FR" dirty="0"/>
+              <a:t>Tapez </a:t>
+            </a:r>
+            <a:r>
+              <a:rPr lang="fr-FR" b="1" dirty="0">
+                <a:solidFill>
+                  <a:srgbClr val="FF0000"/>
+                </a:solidFill>
+              </a:rPr>
+              <a:t>git </a:t>
+            </a:r>
+            <a:r>
+              <a:rPr lang="fr-FR" b="1" dirty="0" err="1">
+                <a:solidFill>
+                  <a:srgbClr val="FF0000"/>
+                </a:solidFill>
+              </a:rPr>
+              <a:t>checkout</a:t>
+            </a:r>
+            <a:r>
+              <a:rPr lang="fr-FR" b="1" dirty="0">
+                <a:solidFill>
+                  <a:srgbClr val="FF0000"/>
+                </a:solidFill>
+              </a:rPr>
+              <a:t> et le </a:t>
+            </a:r>
+            <a:r>
+              <a:rPr lang="fr-FR" b="1" dirty="0" err="1">
+                <a:solidFill>
+                  <a:srgbClr val="FF0000"/>
+                </a:solidFill>
+              </a:rPr>
+              <a:t>numero</a:t>
+            </a:r>
+            <a:r>
+              <a:rPr lang="fr-FR" b="1" dirty="0">
+                <a:solidFill>
+                  <a:srgbClr val="FF0000"/>
+                </a:solidFill>
+              </a:rPr>
+              <a:t> du commit</a:t>
+            </a:r>
+          </a:p>
+          <a:p>
+            <a:r>
+              <a:rPr lang="fr-FR" dirty="0"/>
+              <a:t>Regardez le contenu du fichier</a:t>
+            </a:r>
+          </a:p>
+          <a:p>
+            <a:r>
+              <a:rPr lang="fr-FR" dirty="0"/>
+              <a:t>Tapez </a:t>
+            </a:r>
+            <a:r>
+              <a:rPr lang="fr-FR" b="1" dirty="0"/>
+              <a:t>git </a:t>
+            </a:r>
+            <a:r>
+              <a:rPr lang="fr-FR" b="1" dirty="0" err="1"/>
+              <a:t>checkout</a:t>
+            </a:r>
+            <a:r>
+              <a:rPr lang="fr-FR" b="1" dirty="0"/>
+              <a:t> master </a:t>
+            </a:r>
+            <a:r>
+              <a:rPr lang="fr-FR" dirty="0"/>
+              <a:t>pour revenir à votre version courante</a:t>
+            </a:r>
+          </a:p>
+          <a:p>
+            <a:endParaRPr lang="fr-FR" dirty="0"/>
+          </a:p>
+          <a:p>
+            <a:endParaRPr lang="fr-FR" dirty="0"/>
+          </a:p>
+        </p:txBody>
+      </p:sp>
+    </p:spTree>
+    <p:extLst>
+      <p:ext uri="{BB962C8B-B14F-4D97-AF65-F5344CB8AC3E}">
+        <p14:creationId xmlns:p14="http://schemas.microsoft.com/office/powerpoint/2010/main" val="322734176"/>
+      </p:ext>
+    </p:extLst>
+  </p:cSld>
+  <p:clrMapOvr>
+    <a:masterClrMapping/>
+  </p:clrMapOvr>
+</p:sld>
+</file>
+
+<file path=ppt/slides/slide24.xml><?xml version="1.0" encoding="utf-8"?>
+<p:sld xmlns:a="http://schemas.openxmlformats.org/drawingml/2006/main" xmlns:r="http://schemas.openxmlformats.org/officeDocument/2006/relationships" xmlns:p="http://schemas.openxmlformats.org/presentationml/2006/main">
+  <p:cSld>
+    <p:spTree>
+      <p:nvGrpSpPr>
+        <p:cNvPr id="1" name=""/>
+        <p:cNvGrpSpPr/>
+        <p:nvPr/>
+      </p:nvGrpSpPr>
+      <p:grpSpPr>
+        <a:xfrm>
+          <a:off x="0" y="0"/>
+          <a:ext cx="0" cy="0"/>
+          <a:chOff x="0" y="0"/>
+          <a:chExt cx="0" cy="0"/>
+        </a:xfrm>
+      </p:grpSpPr>
+      <p:sp>
+        <p:nvSpPr>
+          <p:cNvPr id="2" name="Titre 1">
+            <a:extLst>
+              <a:ext uri="{FF2B5EF4-FFF2-40B4-BE49-F238E27FC236}">
+                <a16:creationId xmlns:a16="http://schemas.microsoft.com/office/drawing/2014/main" id="{2613F4F5-25B1-1E93-19E6-DFEE517887A4}"/>
+              </a:ext>
+            </a:extLst>
+          </p:cNvPr>
+          <p:cNvSpPr>
+            <a:spLocks noGrp="1"/>
+          </p:cNvSpPr>
+          <p:nvPr>
+            <p:ph type="title"/>
+          </p:nvPr>
+        </p:nvSpPr>
+        <p:spPr/>
+        <p:txBody>
+          <a:bodyPr/>
+          <a:lstStyle/>
+          <a:p>
+            <a:r>
+              <a:rPr lang="fr-FR" dirty="0"/>
+              <a:t>Utilisation de </a:t>
+            </a:r>
+            <a:r>
+              <a:rPr lang="fr-FR" dirty="0" err="1"/>
+              <a:t>checkout</a:t>
+            </a:r>
+            <a:endParaRPr lang="fr-FR" dirty="0"/>
+          </a:p>
+        </p:txBody>
+      </p:sp>
+      <p:sp>
+        <p:nvSpPr>
+          <p:cNvPr id="3" name="Espace réservé du contenu 2">
+            <a:extLst>
+              <a:ext uri="{FF2B5EF4-FFF2-40B4-BE49-F238E27FC236}">
+                <a16:creationId xmlns:a16="http://schemas.microsoft.com/office/drawing/2014/main" id="{75BEB21B-55C4-2B06-BFA4-C38F20D372C2}"/>
+              </a:ext>
+            </a:extLst>
+          </p:cNvPr>
+          <p:cNvSpPr>
+            <a:spLocks noGrp="1"/>
+          </p:cNvSpPr>
+          <p:nvPr>
+            <p:ph idx="1"/>
+          </p:nvPr>
+        </p:nvSpPr>
+        <p:spPr/>
+        <p:txBody>
+          <a:bodyPr>
+            <a:normAutofit/>
+          </a:bodyPr>
+          <a:lstStyle/>
+          <a:p>
+            <a:r>
+              <a:rPr lang="fr-FR" sz="2400" dirty="0"/>
+              <a:t>Si vous revenez à une version sur toute la branche avec </a:t>
+            </a:r>
+            <a:r>
+              <a:rPr lang="fr-FR" sz="2400" b="1" dirty="0">
+                <a:solidFill>
+                  <a:srgbClr val="FF0000"/>
+                </a:solidFill>
+              </a:rPr>
+              <a:t>git </a:t>
+            </a:r>
+            <a:r>
+              <a:rPr lang="fr-FR" sz="2400" b="1" dirty="0" err="1">
+                <a:solidFill>
+                  <a:srgbClr val="FF0000"/>
+                </a:solidFill>
+              </a:rPr>
+              <a:t>checkout</a:t>
+            </a:r>
+            <a:r>
+              <a:rPr lang="fr-FR" sz="2400" b="1" dirty="0">
+                <a:solidFill>
+                  <a:srgbClr val="FF0000"/>
+                </a:solidFill>
+              </a:rPr>
+              <a:t> e587754 </a:t>
+            </a:r>
+            <a:r>
+              <a:rPr lang="fr-FR" sz="2400" dirty="0"/>
+              <a:t>Vous ne pouvez pas faire des modification sur vos fichiers, toute modification sera perdu sur la branche </a:t>
+            </a:r>
+            <a:r>
+              <a:rPr lang="fr-FR" sz="2400" dirty="0" err="1"/>
+              <a:t>head</a:t>
+            </a:r>
+            <a:r>
+              <a:rPr lang="fr-FR" sz="2400" dirty="0"/>
+              <a:t>, il faut revenir sur un fichier bien précis avec </a:t>
+            </a:r>
+            <a:r>
+              <a:rPr lang="fr-FR" sz="2400" b="1" dirty="0">
+                <a:solidFill>
+                  <a:srgbClr val="FF0000"/>
+                </a:solidFill>
+              </a:rPr>
+              <a:t>git </a:t>
+            </a:r>
+            <a:r>
+              <a:rPr lang="fr-FR" sz="2400" b="1" dirty="0" err="1">
+                <a:solidFill>
+                  <a:srgbClr val="FF0000"/>
+                </a:solidFill>
+              </a:rPr>
+              <a:t>checkout</a:t>
+            </a:r>
+            <a:r>
+              <a:rPr lang="fr-FR" sz="2400" b="1" dirty="0">
+                <a:solidFill>
+                  <a:srgbClr val="FF0000"/>
+                </a:solidFill>
+              </a:rPr>
+              <a:t> e587754 </a:t>
+            </a:r>
+            <a:r>
+              <a:rPr lang="fr-FR" sz="2400" b="1" dirty="0" err="1">
+                <a:solidFill>
+                  <a:srgbClr val="FF0000"/>
+                </a:solidFill>
+              </a:rPr>
+              <a:t>service.php</a:t>
+            </a:r>
+            <a:r>
+              <a:rPr lang="fr-FR" sz="2400" b="1" dirty="0">
+                <a:solidFill>
+                  <a:srgbClr val="FF0000"/>
+                </a:solidFill>
+              </a:rPr>
+              <a:t> </a:t>
+            </a:r>
+            <a:r>
+              <a:rPr lang="fr-FR" sz="2400" dirty="0"/>
+              <a:t>puis faite votre commit normal et vous allez revenir à l’état du fichier dans le passé</a:t>
+            </a:r>
+          </a:p>
+        </p:txBody>
+      </p:sp>
+    </p:spTree>
+    <p:extLst>
+      <p:ext uri="{BB962C8B-B14F-4D97-AF65-F5344CB8AC3E}">
+        <p14:creationId xmlns:p14="http://schemas.microsoft.com/office/powerpoint/2010/main" val="2579340016"/>
+      </p:ext>
+    </p:extLst>
+  </p:cSld>
+  <p:clrMapOvr>
+    <a:masterClrMapping/>
+  </p:clrMapOvr>
+</p:sld>
+</file>
+
+<file path=ppt/slides/slide25.xml><?xml version="1.0" encoding="utf-8"?>
+<p:sld xmlns:a="http://schemas.openxmlformats.org/drawingml/2006/main" xmlns:r="http://schemas.openxmlformats.org/officeDocument/2006/relationships" xmlns:p="http://schemas.openxmlformats.org/presentationml/2006/main">
+  <p:cSld>
+    <p:spTree>
+      <p:nvGrpSpPr>
+        <p:cNvPr id="1" name=""/>
+        <p:cNvGrpSpPr/>
+        <p:nvPr/>
+      </p:nvGrpSpPr>
+      <p:grpSpPr>
+        <a:xfrm>
+          <a:off x="0" y="0"/>
+          <a:ext cx="0" cy="0"/>
+          <a:chOff x="0" y="0"/>
+          <a:chExt cx="0" cy="0"/>
+        </a:xfrm>
+      </p:grpSpPr>
+      <p:sp>
+        <p:nvSpPr>
+          <p:cNvPr id="2" name="Titre 1">
+            <a:extLst>
+              <a:ext uri="{FF2B5EF4-FFF2-40B4-BE49-F238E27FC236}">
+                <a16:creationId xmlns:a16="http://schemas.microsoft.com/office/drawing/2014/main" id="{82D1EB7F-7C17-BEC5-590B-947D722FA746}"/>
+              </a:ext>
+            </a:extLst>
+          </p:cNvPr>
+          <p:cNvSpPr>
+            <a:spLocks noGrp="1"/>
+          </p:cNvSpPr>
+          <p:nvPr>
+            <p:ph type="title"/>
+          </p:nvPr>
+        </p:nvSpPr>
+        <p:spPr/>
+        <p:txBody>
+          <a:bodyPr/>
+          <a:lstStyle/>
+          <a:p>
+            <a:r>
+              <a:rPr lang="fr-FR" dirty="0"/>
+              <a:t>Utilisation de </a:t>
+            </a:r>
+            <a:r>
+              <a:rPr lang="fr-FR" dirty="0" err="1"/>
+              <a:t>revert</a:t>
+            </a:r>
+            <a:endParaRPr lang="fr-FR" dirty="0"/>
+          </a:p>
+        </p:txBody>
+      </p:sp>
+      <p:sp>
+        <p:nvSpPr>
+          <p:cNvPr id="3" name="Espace réservé du contenu 2">
+            <a:extLst>
+              <a:ext uri="{FF2B5EF4-FFF2-40B4-BE49-F238E27FC236}">
+                <a16:creationId xmlns:a16="http://schemas.microsoft.com/office/drawing/2014/main" id="{60E1874D-7145-D410-3AAC-DA4EACE0C040}"/>
+              </a:ext>
+            </a:extLst>
+          </p:cNvPr>
+          <p:cNvSpPr>
+            <a:spLocks noGrp="1"/>
+          </p:cNvSpPr>
+          <p:nvPr>
+            <p:ph idx="1"/>
+          </p:nvPr>
+        </p:nvSpPr>
+        <p:spPr/>
+        <p:txBody>
+          <a:bodyPr>
+            <a:normAutofit/>
+          </a:bodyPr>
+          <a:lstStyle/>
+          <a:p>
+            <a:r>
+              <a:rPr lang="fr-FR" sz="2800" dirty="0"/>
+              <a:t>La commande </a:t>
+            </a:r>
+            <a:r>
+              <a:rPr lang="fr-FR" sz="2800" dirty="0" err="1"/>
+              <a:t>revert</a:t>
+            </a:r>
+            <a:r>
+              <a:rPr lang="fr-FR" sz="2800" dirty="0"/>
+              <a:t> de Git permet de annuler des modifications en créant un nouveau commit qui annule les modifications apportées par un commit précédent. Cela peut être utile lorsque vous avez apporté des modifications à votre code et que vous souhaitez les annuler, mais que vous ne voulez pas perdre l'historique de ces modifications.</a:t>
+            </a:r>
+          </a:p>
+        </p:txBody>
+      </p:sp>
+    </p:spTree>
+    <p:extLst>
+      <p:ext uri="{BB962C8B-B14F-4D97-AF65-F5344CB8AC3E}">
+        <p14:creationId xmlns:p14="http://schemas.microsoft.com/office/powerpoint/2010/main" val="3415736027"/>
+      </p:ext>
+    </p:extLst>
+  </p:cSld>
+  <p:clrMapOvr>
+    <a:masterClrMapping/>
+  </p:clrMapOvr>
+</p:sld>
+</file>
+
+<file path=ppt/slides/slide26.xml><?xml version="1.0" encoding="utf-8"?>
+<p:sld xmlns:a="http://schemas.openxmlformats.org/drawingml/2006/main" xmlns:r="http://schemas.openxmlformats.org/officeDocument/2006/relationships" xmlns:p="http://schemas.openxmlformats.org/presentationml/2006/main">
+  <p:cSld>
+    <p:spTree>
+      <p:nvGrpSpPr>
+        <p:cNvPr id="1" name=""/>
+        <p:cNvGrpSpPr/>
+        <p:nvPr/>
+      </p:nvGrpSpPr>
+      <p:grpSpPr>
+        <a:xfrm>
+          <a:off x="0" y="0"/>
+          <a:ext cx="0" cy="0"/>
+          <a:chOff x="0" y="0"/>
+          <a:chExt cx="0" cy="0"/>
+        </a:xfrm>
+      </p:grpSpPr>
+      <p:sp>
+        <p:nvSpPr>
+          <p:cNvPr id="2" name="Titre 1">
+            <a:extLst>
+              <a:ext uri="{FF2B5EF4-FFF2-40B4-BE49-F238E27FC236}">
+                <a16:creationId xmlns:a16="http://schemas.microsoft.com/office/drawing/2014/main" id="{892C6ED3-D4D5-06F7-C4B3-E2E9E1C64587}"/>
+              </a:ext>
+            </a:extLst>
+          </p:cNvPr>
+          <p:cNvSpPr>
+            <a:spLocks noGrp="1"/>
+          </p:cNvSpPr>
+          <p:nvPr>
+            <p:ph type="title"/>
+          </p:nvPr>
+        </p:nvSpPr>
+        <p:spPr/>
+        <p:txBody>
+          <a:bodyPr/>
+          <a:lstStyle/>
+          <a:p>
+            <a:r>
+              <a:rPr lang="fr-FR" dirty="0"/>
+              <a:t>Utilisation de </a:t>
+            </a:r>
+            <a:r>
+              <a:rPr lang="fr-FR" dirty="0" err="1"/>
+              <a:t>revert</a:t>
+            </a:r>
+            <a:endParaRPr lang="fr-FR" dirty="0"/>
+          </a:p>
+        </p:txBody>
+      </p:sp>
+      <p:sp>
+        <p:nvSpPr>
+          <p:cNvPr id="3" name="Espace réservé du contenu 2">
+            <a:extLst>
+              <a:ext uri="{FF2B5EF4-FFF2-40B4-BE49-F238E27FC236}">
+                <a16:creationId xmlns:a16="http://schemas.microsoft.com/office/drawing/2014/main" id="{B271603E-A6A0-289B-07A7-55F2A95F2B6C}"/>
+              </a:ext>
+            </a:extLst>
+          </p:cNvPr>
+          <p:cNvSpPr>
+            <a:spLocks noGrp="1"/>
+          </p:cNvSpPr>
+          <p:nvPr>
+            <p:ph idx="1"/>
+          </p:nvPr>
+        </p:nvSpPr>
+        <p:spPr/>
+        <p:txBody>
+          <a:bodyPr>
+            <a:normAutofit fontScale="92500" lnSpcReduction="20000"/>
+          </a:bodyPr>
+          <a:lstStyle/>
+          <a:p>
+            <a:r>
+              <a:rPr lang="fr-FR" sz="2800" dirty="0"/>
+              <a:t>Afficher votre log pour le fichier </a:t>
+            </a:r>
+            <a:r>
+              <a:rPr lang="fr-FR" sz="2800" dirty="0" err="1"/>
+              <a:t>produit.php</a:t>
+            </a:r>
+            <a:endParaRPr lang="fr-FR" sz="2800" dirty="0"/>
+          </a:p>
+          <a:p>
+            <a:r>
+              <a:rPr lang="fr-FR" sz="2800" dirty="0"/>
+              <a:t>Annuler le dernier commit avec</a:t>
+            </a:r>
+            <a:br>
+              <a:rPr lang="fr-FR" sz="2800" dirty="0"/>
+            </a:br>
+            <a:r>
+              <a:rPr lang="fr-FR" sz="2800" dirty="0"/>
+              <a:t> </a:t>
+            </a:r>
+            <a:r>
+              <a:rPr lang="fr-FR" sz="2800" b="1" dirty="0">
+                <a:solidFill>
+                  <a:srgbClr val="FF0000"/>
+                </a:solidFill>
+              </a:rPr>
+              <a:t>git </a:t>
+            </a:r>
+            <a:r>
+              <a:rPr lang="fr-FR" sz="2800" b="1" dirty="0" err="1">
+                <a:solidFill>
+                  <a:srgbClr val="FF0000"/>
+                </a:solidFill>
+              </a:rPr>
+              <a:t>revert</a:t>
+            </a:r>
+            <a:r>
+              <a:rPr lang="fr-FR" sz="2800" b="1" dirty="0">
+                <a:solidFill>
+                  <a:srgbClr val="FF0000"/>
+                </a:solidFill>
+              </a:rPr>
+              <a:t> &lt;num-de-commit&gt;</a:t>
+            </a:r>
+          </a:p>
+          <a:p>
+            <a:r>
+              <a:rPr lang="fr-FR" sz="2800" dirty="0"/>
+              <a:t>Changer le message et validez avec </a:t>
+            </a:r>
+            <a:r>
+              <a:rPr lang="fr-FR" sz="2800" b="1" dirty="0">
+                <a:solidFill>
+                  <a:srgbClr val="FF0000"/>
+                </a:solidFill>
+              </a:rPr>
+              <a:t>:</a:t>
+            </a:r>
+            <a:r>
+              <a:rPr lang="fr-FR" sz="2800" b="1" dirty="0" err="1">
+                <a:solidFill>
+                  <a:srgbClr val="FF0000"/>
+                </a:solidFill>
+              </a:rPr>
+              <a:t>wq</a:t>
+            </a:r>
+            <a:endParaRPr lang="fr-FR" sz="2800" b="1" dirty="0">
+              <a:solidFill>
+                <a:srgbClr val="FF0000"/>
+              </a:solidFill>
+            </a:endParaRPr>
+          </a:p>
+          <a:p>
+            <a:r>
+              <a:rPr lang="fr-FR" sz="2800" dirty="0"/>
+              <a:t>Consultez votre fichier</a:t>
+            </a:r>
+          </a:p>
+          <a:p>
+            <a:r>
+              <a:rPr lang="fr-FR" sz="2800" dirty="0"/>
+              <a:t>Essayez de faire la même chose avec le </a:t>
+            </a:r>
+            <a:r>
+              <a:rPr lang="fr-FR" sz="2800" dirty="0" err="1"/>
+              <a:t>deuxièm</a:t>
+            </a:r>
+            <a:r>
+              <a:rPr lang="fr-FR" sz="2800" dirty="0"/>
+              <a:t> commit</a:t>
+            </a:r>
+          </a:p>
+          <a:p>
+            <a:r>
+              <a:rPr lang="fr-FR" sz="2800" dirty="0"/>
+              <a:t>Qu’est ce que vous remarquez.</a:t>
+            </a:r>
+          </a:p>
+          <a:p>
+            <a:r>
+              <a:rPr lang="fr-FR" sz="2800" dirty="0"/>
+              <a:t>Réglez le conflit et faites un commit</a:t>
+            </a:r>
+          </a:p>
+        </p:txBody>
+      </p:sp>
+    </p:spTree>
+    <p:extLst>
+      <p:ext uri="{BB962C8B-B14F-4D97-AF65-F5344CB8AC3E}">
+        <p14:creationId xmlns:p14="http://schemas.microsoft.com/office/powerpoint/2010/main" val="2974686576"/>
+      </p:ext>
+    </p:extLst>
+  </p:cSld>
+  <p:clrMapOvr>
+    <a:masterClrMapping/>
+  </p:clrMapOvr>
+</p:sld>
+</file>
+
+<file path=ppt/slides/slide27.xml><?xml version="1.0" encoding="utf-8"?>
+<p:sld xmlns:a="http://schemas.openxmlformats.org/drawingml/2006/main" xmlns:r="http://schemas.openxmlformats.org/officeDocument/2006/relationships" xmlns:p="http://schemas.openxmlformats.org/presentationml/2006/main">
+  <p:cSld>
+    <p:spTree>
+      <p:nvGrpSpPr>
+        <p:cNvPr id="1" name=""/>
+        <p:cNvGrpSpPr/>
+        <p:nvPr/>
+      </p:nvGrpSpPr>
+      <p:grpSpPr>
+        <a:xfrm>
+          <a:off x="0" y="0"/>
+          <a:ext cx="0" cy="0"/>
+          <a:chOff x="0" y="0"/>
+          <a:chExt cx="0" cy="0"/>
+        </a:xfrm>
+      </p:grpSpPr>
+      <p:sp>
+        <p:nvSpPr>
+          <p:cNvPr id="2" name="Titre 1">
+            <a:extLst>
+              <a:ext uri="{FF2B5EF4-FFF2-40B4-BE49-F238E27FC236}">
+                <a16:creationId xmlns:a16="http://schemas.microsoft.com/office/drawing/2014/main" id="{4CC14905-EC78-E07E-5A40-B82162746B2C}"/>
+              </a:ext>
+            </a:extLst>
+          </p:cNvPr>
+          <p:cNvSpPr>
+            <a:spLocks noGrp="1"/>
+          </p:cNvSpPr>
+          <p:nvPr>
+            <p:ph type="title"/>
+          </p:nvPr>
+        </p:nvSpPr>
+        <p:spPr/>
+        <p:txBody>
+          <a:bodyPr/>
+          <a:lstStyle/>
+          <a:p>
+            <a:r>
+              <a:rPr lang="fr-FR" dirty="0"/>
+              <a:t>Utilisation de reset</a:t>
+            </a:r>
+          </a:p>
+        </p:txBody>
+      </p:sp>
+      <p:sp>
+        <p:nvSpPr>
+          <p:cNvPr id="3" name="Espace réservé du contenu 2">
+            <a:extLst>
+              <a:ext uri="{FF2B5EF4-FFF2-40B4-BE49-F238E27FC236}">
+                <a16:creationId xmlns:a16="http://schemas.microsoft.com/office/drawing/2014/main" id="{1C59B164-20F1-2E77-A7DB-969CCDEA4C16}"/>
+              </a:ext>
+            </a:extLst>
+          </p:cNvPr>
+          <p:cNvSpPr>
+            <a:spLocks noGrp="1"/>
+          </p:cNvSpPr>
+          <p:nvPr>
+            <p:ph idx="1"/>
+          </p:nvPr>
+        </p:nvSpPr>
+        <p:spPr/>
+        <p:txBody>
+          <a:bodyPr>
+            <a:normAutofit/>
+          </a:bodyPr>
+          <a:lstStyle/>
+          <a:p>
+            <a:r>
+              <a:rPr lang="fr-FR" sz="3200" dirty="0">
+                <a:solidFill>
+                  <a:srgbClr val="FF0000"/>
+                </a:solidFill>
+              </a:rPr>
+              <a:t>git reset </a:t>
+            </a:r>
+            <a:r>
+              <a:rPr lang="fr-FR" sz="2800" dirty="0"/>
+              <a:t>est une commande Git qui permet de remettre le référentiel local à un état précédent. Cela signifie qu'elle annule les </a:t>
+            </a:r>
+            <a:r>
+              <a:rPr lang="fr-FR" sz="2800" dirty="0" err="1"/>
+              <a:t>commits</a:t>
+            </a:r>
+            <a:r>
+              <a:rPr lang="fr-FR" sz="2800" dirty="0"/>
+              <a:t> et les fichiers passe en mode </a:t>
+            </a:r>
+            <a:r>
+              <a:rPr lang="fr-FR" sz="2800" dirty="0" err="1"/>
+              <a:t>unstage</a:t>
+            </a:r>
+            <a:r>
+              <a:rPr lang="fr-FR" sz="2800" dirty="0"/>
+              <a:t> dans leurs état actuel</a:t>
+            </a:r>
+          </a:p>
+        </p:txBody>
+      </p:sp>
+    </p:spTree>
+    <p:extLst>
+      <p:ext uri="{BB962C8B-B14F-4D97-AF65-F5344CB8AC3E}">
+        <p14:creationId xmlns:p14="http://schemas.microsoft.com/office/powerpoint/2010/main" val="918039573"/>
+      </p:ext>
+    </p:extLst>
+  </p:cSld>
+  <p:clrMapOvr>
+    <a:masterClrMapping/>
+  </p:clrMapOvr>
+</p:sld>
+</file>
+
+<file path=ppt/slides/slide28.xml><?xml version="1.0" encoding="utf-8"?>
+<p:sld xmlns:a="http://schemas.openxmlformats.org/drawingml/2006/main" xmlns:r="http://schemas.openxmlformats.org/officeDocument/2006/relationships" xmlns:p="http://schemas.openxmlformats.org/presentationml/2006/main">
+  <p:cSld>
+    <p:spTree>
+      <p:nvGrpSpPr>
+        <p:cNvPr id="1" name=""/>
+        <p:cNvGrpSpPr/>
+        <p:nvPr/>
+      </p:nvGrpSpPr>
+      <p:grpSpPr>
+        <a:xfrm>
+          <a:off x="0" y="0"/>
+          <a:ext cx="0" cy="0"/>
+          <a:chOff x="0" y="0"/>
+          <a:chExt cx="0" cy="0"/>
+        </a:xfrm>
+      </p:grpSpPr>
+      <p:sp>
+        <p:nvSpPr>
+          <p:cNvPr id="2" name="Titre 1">
+            <a:extLst>
+              <a:ext uri="{FF2B5EF4-FFF2-40B4-BE49-F238E27FC236}">
+                <a16:creationId xmlns:a16="http://schemas.microsoft.com/office/drawing/2014/main" id="{98557634-05E0-1813-21EF-883EF7973788}"/>
+              </a:ext>
+            </a:extLst>
+          </p:cNvPr>
+          <p:cNvSpPr>
+            <a:spLocks noGrp="1"/>
+          </p:cNvSpPr>
+          <p:nvPr>
+            <p:ph type="title"/>
+          </p:nvPr>
+        </p:nvSpPr>
+        <p:spPr/>
+        <p:txBody>
+          <a:bodyPr/>
+          <a:lstStyle/>
+          <a:p>
+            <a:r>
+              <a:rPr lang="fr-FR" dirty="0"/>
+              <a:t>Utilisation de reset</a:t>
+            </a:r>
+          </a:p>
+        </p:txBody>
+      </p:sp>
+      <p:sp>
+        <p:nvSpPr>
+          <p:cNvPr id="3" name="Espace réservé du contenu 2">
+            <a:extLst>
+              <a:ext uri="{FF2B5EF4-FFF2-40B4-BE49-F238E27FC236}">
+                <a16:creationId xmlns:a16="http://schemas.microsoft.com/office/drawing/2014/main" id="{850B7A3F-5FF3-18A2-6FED-2F4E87CDCC38}"/>
+              </a:ext>
+            </a:extLst>
+          </p:cNvPr>
+          <p:cNvSpPr>
+            <a:spLocks noGrp="1"/>
+          </p:cNvSpPr>
+          <p:nvPr>
+            <p:ph idx="1"/>
+          </p:nvPr>
+        </p:nvSpPr>
+        <p:spPr/>
+        <p:txBody>
+          <a:bodyPr>
+            <a:normAutofit/>
+          </a:bodyPr>
+          <a:lstStyle/>
+          <a:p>
+            <a:r>
+              <a:rPr lang="fr-FR" sz="2400" dirty="0"/>
+              <a:t>Afficher votre log pour le fichier </a:t>
+            </a:r>
+            <a:r>
+              <a:rPr lang="fr-FR" sz="2400" dirty="0" err="1"/>
+              <a:t>produit.php</a:t>
+            </a:r>
+            <a:endParaRPr lang="fr-FR" sz="2400" dirty="0"/>
+          </a:p>
+          <a:p>
+            <a:r>
+              <a:rPr lang="fr-FR" sz="2400" dirty="0"/>
+              <a:t>Annuler le 2eme avant dernier commit avec</a:t>
+            </a:r>
+            <a:br>
+              <a:rPr lang="fr-FR" sz="2400" dirty="0"/>
+            </a:br>
+            <a:r>
+              <a:rPr lang="fr-FR" sz="2400" dirty="0"/>
+              <a:t> </a:t>
+            </a:r>
+            <a:r>
+              <a:rPr lang="fr-FR" sz="2400" b="1" dirty="0">
+                <a:solidFill>
+                  <a:srgbClr val="FF0000"/>
+                </a:solidFill>
+              </a:rPr>
+              <a:t>git reset &lt;num-de-commit&gt;</a:t>
+            </a:r>
+          </a:p>
+          <a:p>
+            <a:r>
+              <a:rPr lang="fr-FR" sz="2400" dirty="0"/>
+              <a:t>Consultez votre fichier</a:t>
+            </a:r>
+          </a:p>
+          <a:p>
+            <a:r>
+              <a:rPr lang="fr-FR" sz="2400" dirty="0"/>
+              <a:t>Qu’est ce que vous remarquez.</a:t>
+            </a:r>
+          </a:p>
+          <a:p>
+            <a:r>
+              <a:rPr lang="fr-FR" sz="2400" dirty="0" err="1"/>
+              <a:t>Stager</a:t>
+            </a:r>
+            <a:r>
+              <a:rPr lang="fr-FR" sz="2400" dirty="0"/>
+              <a:t> votre modification avec </a:t>
+            </a:r>
+            <a:r>
+              <a:rPr lang="fr-FR" sz="2400" dirty="0">
+                <a:solidFill>
+                  <a:srgbClr val="FF0000"/>
+                </a:solidFill>
+              </a:rPr>
+              <a:t>git </a:t>
+            </a:r>
+            <a:r>
+              <a:rPr lang="fr-FR" sz="2400" dirty="0" err="1">
+                <a:solidFill>
+                  <a:srgbClr val="FF0000"/>
+                </a:solidFill>
+              </a:rPr>
+              <a:t>add</a:t>
+            </a:r>
+            <a:r>
+              <a:rPr lang="fr-FR" sz="2400" dirty="0">
+                <a:solidFill>
+                  <a:srgbClr val="FF0000"/>
+                </a:solidFill>
+              </a:rPr>
+              <a:t> . </a:t>
+            </a:r>
+            <a:r>
+              <a:rPr lang="fr-FR" sz="2400" dirty="0"/>
+              <a:t>Et faites votre commit</a:t>
+            </a:r>
+          </a:p>
+        </p:txBody>
+      </p:sp>
+    </p:spTree>
+    <p:extLst>
+      <p:ext uri="{BB962C8B-B14F-4D97-AF65-F5344CB8AC3E}">
+        <p14:creationId xmlns:p14="http://schemas.microsoft.com/office/powerpoint/2010/main" val="3048440800"/>
+      </p:ext>
+    </p:extLst>
+  </p:cSld>
+  <p:clrMapOvr>
+    <a:masterClrMapping/>
+  </p:clrMapOvr>
+</p:sld>
+</file>
+
+<file path=ppt/slides/slide29.xml><?xml version="1.0" encoding="utf-8"?>
+<p:sld xmlns:a="http://schemas.openxmlformats.org/drawingml/2006/main" xmlns:r="http://schemas.openxmlformats.org/officeDocument/2006/relationships" xmlns:p="http://schemas.openxmlformats.org/presentationml/2006/main">
+  <p:cSld>
+    <p:spTree>
+      <p:nvGrpSpPr>
+        <p:cNvPr id="1" name=""/>
+        <p:cNvGrpSpPr/>
+        <p:nvPr/>
+      </p:nvGrpSpPr>
+      <p:grpSpPr>
+        <a:xfrm>
+          <a:off x="0" y="0"/>
+          <a:ext cx="0" cy="0"/>
+          <a:chOff x="0" y="0"/>
+          <a:chExt cx="0" cy="0"/>
+        </a:xfrm>
+      </p:grpSpPr>
+      <p:sp>
+        <p:nvSpPr>
+          <p:cNvPr id="2" name="Titre 1">
+            <a:extLst>
+              <a:ext uri="{FF2B5EF4-FFF2-40B4-BE49-F238E27FC236}">
+                <a16:creationId xmlns:a16="http://schemas.microsoft.com/office/drawing/2014/main" id="{AB55DE6F-3992-351F-26B1-46053330068F}"/>
+              </a:ext>
+            </a:extLst>
+          </p:cNvPr>
+          <p:cNvSpPr>
+            <a:spLocks noGrp="1"/>
+          </p:cNvSpPr>
+          <p:nvPr>
+            <p:ph type="title"/>
+          </p:nvPr>
+        </p:nvSpPr>
+        <p:spPr/>
+        <p:txBody>
+          <a:bodyPr/>
+          <a:lstStyle/>
+          <a:p>
+            <a:r>
+              <a:rPr lang="fr-FR" dirty="0"/>
+              <a:t>Utilisation de reset</a:t>
+            </a:r>
+          </a:p>
+        </p:txBody>
+      </p:sp>
+      <p:sp>
+        <p:nvSpPr>
+          <p:cNvPr id="3" name="Espace réservé du contenu 2">
+            <a:extLst>
+              <a:ext uri="{FF2B5EF4-FFF2-40B4-BE49-F238E27FC236}">
+                <a16:creationId xmlns:a16="http://schemas.microsoft.com/office/drawing/2014/main" id="{BA4636E9-2235-09B3-72E5-9F835A09D591}"/>
+              </a:ext>
+            </a:extLst>
+          </p:cNvPr>
+          <p:cNvSpPr>
+            <a:spLocks noGrp="1"/>
+          </p:cNvSpPr>
+          <p:nvPr>
+            <p:ph idx="1"/>
+          </p:nvPr>
+        </p:nvSpPr>
+        <p:spPr/>
+        <p:txBody>
+          <a:bodyPr>
+            <a:normAutofit/>
+          </a:bodyPr>
+          <a:lstStyle/>
+          <a:p>
+            <a:r>
+              <a:rPr lang="fr-FR" sz="2800" dirty="0"/>
+              <a:t>Apportez une modification à votre fichier</a:t>
+            </a:r>
+          </a:p>
+          <a:p>
+            <a:r>
+              <a:rPr lang="fr-FR" sz="2800" dirty="0"/>
+              <a:t>Et </a:t>
+            </a:r>
+            <a:r>
+              <a:rPr lang="fr-FR" sz="2800" dirty="0" err="1"/>
+              <a:t>Stager</a:t>
+            </a:r>
+            <a:r>
+              <a:rPr lang="fr-FR" sz="2800" dirty="0"/>
+              <a:t> votre fichier avec git </a:t>
+            </a:r>
+            <a:r>
+              <a:rPr lang="fr-FR" sz="2800" dirty="0" err="1"/>
+              <a:t>add</a:t>
+            </a:r>
+            <a:r>
+              <a:rPr lang="fr-FR" sz="2800" dirty="0"/>
+              <a:t> .</a:t>
+            </a:r>
+          </a:p>
+          <a:p>
+            <a:r>
+              <a:rPr lang="fr-FR" sz="2800" dirty="0"/>
+              <a:t>Afficher le </a:t>
+            </a:r>
+            <a:r>
+              <a:rPr lang="fr-FR" sz="2800" dirty="0" err="1"/>
+              <a:t>status</a:t>
+            </a:r>
+            <a:endParaRPr lang="fr-FR" sz="2800" dirty="0"/>
+          </a:p>
+          <a:p>
+            <a:r>
+              <a:rPr lang="fr-FR" sz="2800" dirty="0"/>
+              <a:t>Si maintenant vous souhaitez </a:t>
+            </a:r>
+            <a:r>
+              <a:rPr lang="fr-FR" sz="2800" dirty="0" err="1"/>
+              <a:t>unstager</a:t>
+            </a:r>
+            <a:r>
+              <a:rPr lang="fr-FR" sz="2800" dirty="0"/>
+              <a:t> le fichier utiliser</a:t>
+            </a:r>
+          </a:p>
+          <a:p>
+            <a:r>
+              <a:rPr lang="fr-FR" sz="2800" b="1" dirty="0">
+                <a:solidFill>
+                  <a:srgbClr val="FF0000"/>
+                </a:solidFill>
+              </a:rPr>
+              <a:t>git reset HEAD </a:t>
+            </a:r>
+            <a:r>
+              <a:rPr lang="fr-FR" sz="2800" b="1" dirty="0" err="1">
+                <a:solidFill>
+                  <a:srgbClr val="FF0000"/>
+                </a:solidFill>
+              </a:rPr>
+              <a:t>produit.php</a:t>
+            </a:r>
+            <a:endParaRPr lang="fr-FR" sz="2800" b="1" dirty="0">
+              <a:solidFill>
+                <a:srgbClr val="FF0000"/>
+              </a:solidFill>
+            </a:endParaRPr>
+          </a:p>
+        </p:txBody>
+      </p:sp>
+    </p:spTree>
+    <p:extLst>
+      <p:ext uri="{BB962C8B-B14F-4D97-AF65-F5344CB8AC3E}">
+        <p14:creationId xmlns:p14="http://schemas.microsoft.com/office/powerpoint/2010/main" val="2289375872"/>
+      </p:ext>
+    </p:extLst>
+  </p:cSld>
+  <p:clrMapOvr>
+    <a:masterClrMapping/>
+  </p:clrMapOvr>
+</p:sld>
+</file>
+
 <file path=ppt/slides/slide3.xml><?xml version="1.0" encoding="utf-8"?>
 <p:sld xmlns:a="http://schemas.openxmlformats.org/drawingml/2006/main" xmlns:r="http://schemas.openxmlformats.org/officeDocument/2006/relationships" xmlns:p="http://schemas.openxmlformats.org/presentationml/2006/main">
   <p:cSld>
@@ -8972,6 +10324,932 @@
     <p:extLst>
       <p:ext uri="{BB962C8B-B14F-4D97-AF65-F5344CB8AC3E}">
         <p14:creationId xmlns:p14="http://schemas.microsoft.com/office/powerpoint/2010/main" val="2142762624"/>
+      </p:ext>
+    </p:extLst>
+  </p:cSld>
+  <p:clrMapOvr>
+    <a:masterClrMapping/>
+  </p:clrMapOvr>
+</p:sld>
+</file>
+
+<file path=ppt/slides/slide30.xml><?xml version="1.0" encoding="utf-8"?>
+<p:sld xmlns:a="http://schemas.openxmlformats.org/drawingml/2006/main" xmlns:r="http://schemas.openxmlformats.org/officeDocument/2006/relationships" xmlns:p="http://schemas.openxmlformats.org/presentationml/2006/main">
+  <p:cSld>
+    <p:spTree>
+      <p:nvGrpSpPr>
+        <p:cNvPr id="1" name=""/>
+        <p:cNvGrpSpPr/>
+        <p:nvPr/>
+      </p:nvGrpSpPr>
+      <p:grpSpPr>
+        <a:xfrm>
+          <a:off x="0" y="0"/>
+          <a:ext cx="0" cy="0"/>
+          <a:chOff x="0" y="0"/>
+          <a:chExt cx="0" cy="0"/>
+        </a:xfrm>
+      </p:grpSpPr>
+      <p:sp>
+        <p:nvSpPr>
+          <p:cNvPr id="2" name="Titre 1">
+            <a:extLst>
+              <a:ext uri="{FF2B5EF4-FFF2-40B4-BE49-F238E27FC236}">
+                <a16:creationId xmlns:a16="http://schemas.microsoft.com/office/drawing/2014/main" id="{AB55DE6F-3992-351F-26B1-46053330068F}"/>
+              </a:ext>
+            </a:extLst>
+          </p:cNvPr>
+          <p:cNvSpPr>
+            <a:spLocks noGrp="1"/>
+          </p:cNvSpPr>
+          <p:nvPr>
+            <p:ph type="title"/>
+          </p:nvPr>
+        </p:nvSpPr>
+        <p:spPr/>
+        <p:txBody>
+          <a:bodyPr/>
+          <a:lstStyle/>
+          <a:p>
+            <a:r>
+              <a:rPr lang="fr-FR" dirty="0"/>
+              <a:t>Utilisation de reset</a:t>
+            </a:r>
+          </a:p>
+        </p:txBody>
+      </p:sp>
+      <p:sp>
+        <p:nvSpPr>
+          <p:cNvPr id="3" name="Espace réservé du contenu 2">
+            <a:extLst>
+              <a:ext uri="{FF2B5EF4-FFF2-40B4-BE49-F238E27FC236}">
+                <a16:creationId xmlns:a16="http://schemas.microsoft.com/office/drawing/2014/main" id="{BA4636E9-2235-09B3-72E5-9F835A09D591}"/>
+              </a:ext>
+            </a:extLst>
+          </p:cNvPr>
+          <p:cNvSpPr>
+            <a:spLocks noGrp="1"/>
+          </p:cNvSpPr>
+          <p:nvPr>
+            <p:ph idx="1"/>
+          </p:nvPr>
+        </p:nvSpPr>
+        <p:spPr/>
+        <p:txBody>
+          <a:bodyPr>
+            <a:normAutofit/>
+          </a:bodyPr>
+          <a:lstStyle/>
+          <a:p>
+            <a:r>
+              <a:rPr lang="fr-FR" sz="2800" b="1" dirty="0">
+                <a:solidFill>
+                  <a:schemeClr val="tx1"/>
+                </a:solidFill>
+              </a:rPr>
+              <a:t>Si vous voulez annuler toutes les modifications et revenir à la dernière commit sur tous le dossier utilisez --hard</a:t>
+            </a:r>
+          </a:p>
+          <a:p>
+            <a:r>
+              <a:rPr lang="fr-FR" sz="2800" b="1" dirty="0">
+                <a:solidFill>
+                  <a:srgbClr val="FF0000"/>
+                </a:solidFill>
+              </a:rPr>
+              <a:t>git reset –-hard</a:t>
+            </a:r>
+          </a:p>
+          <a:p>
+            <a:r>
+              <a:rPr lang="fr-FR" sz="2800" b="1" dirty="0">
+                <a:solidFill>
+                  <a:schemeClr val="tx1"/>
+                </a:solidFill>
+              </a:rPr>
+              <a:t>Attention cette action est irréversible</a:t>
+            </a:r>
+          </a:p>
+        </p:txBody>
+      </p:sp>
+    </p:spTree>
+    <p:extLst>
+      <p:ext uri="{BB962C8B-B14F-4D97-AF65-F5344CB8AC3E}">
+        <p14:creationId xmlns:p14="http://schemas.microsoft.com/office/powerpoint/2010/main" val="3600084489"/>
+      </p:ext>
+    </p:extLst>
+  </p:cSld>
+  <p:clrMapOvr>
+    <a:masterClrMapping/>
+  </p:clrMapOvr>
+</p:sld>
+</file>
+
+<file path=ppt/slides/slide31.xml><?xml version="1.0" encoding="utf-8"?>
+<p:sld xmlns:a="http://schemas.openxmlformats.org/drawingml/2006/main" xmlns:r="http://schemas.openxmlformats.org/officeDocument/2006/relationships" xmlns:p="http://schemas.openxmlformats.org/presentationml/2006/main">
+  <p:cSld>
+    <p:spTree>
+      <p:nvGrpSpPr>
+        <p:cNvPr id="1" name=""/>
+        <p:cNvGrpSpPr/>
+        <p:nvPr/>
+      </p:nvGrpSpPr>
+      <p:grpSpPr>
+        <a:xfrm>
+          <a:off x="0" y="0"/>
+          <a:ext cx="0" cy="0"/>
+          <a:chOff x="0" y="0"/>
+          <a:chExt cx="0" cy="0"/>
+        </a:xfrm>
+      </p:grpSpPr>
+      <p:sp>
+        <p:nvSpPr>
+          <p:cNvPr id="2" name="Titre 1">
+            <a:extLst>
+              <a:ext uri="{FF2B5EF4-FFF2-40B4-BE49-F238E27FC236}">
+                <a16:creationId xmlns:a16="http://schemas.microsoft.com/office/drawing/2014/main" id="{05F39964-60B4-F2D0-FE2B-F1048E7C0B3B}"/>
+              </a:ext>
+            </a:extLst>
+          </p:cNvPr>
+          <p:cNvSpPr>
+            <a:spLocks noGrp="1"/>
+          </p:cNvSpPr>
+          <p:nvPr>
+            <p:ph type="title"/>
+          </p:nvPr>
+        </p:nvSpPr>
+        <p:spPr/>
+        <p:txBody>
+          <a:bodyPr/>
+          <a:lstStyle/>
+          <a:p>
+            <a:r>
+              <a:rPr lang="fr-FR" dirty="0"/>
+              <a:t>Utilisation de restore</a:t>
+            </a:r>
+          </a:p>
+        </p:txBody>
+      </p:sp>
+      <p:sp>
+        <p:nvSpPr>
+          <p:cNvPr id="3" name="Espace réservé du contenu 2">
+            <a:extLst>
+              <a:ext uri="{FF2B5EF4-FFF2-40B4-BE49-F238E27FC236}">
+                <a16:creationId xmlns:a16="http://schemas.microsoft.com/office/drawing/2014/main" id="{6F0428B0-5FFB-6E99-CA50-6DE3774A3661}"/>
+              </a:ext>
+            </a:extLst>
+          </p:cNvPr>
+          <p:cNvSpPr>
+            <a:spLocks noGrp="1"/>
+          </p:cNvSpPr>
+          <p:nvPr>
+            <p:ph idx="1"/>
+          </p:nvPr>
+        </p:nvSpPr>
+        <p:spPr/>
+        <p:txBody>
+          <a:bodyPr/>
+          <a:lstStyle/>
+          <a:p>
+            <a:r>
+              <a:rPr lang="fr-FR" b="1" dirty="0">
+                <a:solidFill>
+                  <a:srgbClr val="FF0000"/>
+                </a:solidFill>
+              </a:rPr>
+              <a:t>reset</a:t>
+            </a:r>
+            <a:r>
+              <a:rPr lang="fr-FR" dirty="0"/>
+              <a:t> et </a:t>
+            </a:r>
+            <a:r>
+              <a:rPr lang="fr-FR" b="1" dirty="0">
+                <a:solidFill>
+                  <a:srgbClr val="FF0000"/>
+                </a:solidFill>
+              </a:rPr>
+              <a:t>restore</a:t>
+            </a:r>
+            <a:r>
+              <a:rPr lang="fr-FR" dirty="0"/>
+              <a:t> permettent tous deux de annuler des modifications, mais ils agissent à des niveaux différents dans le flux de travail Git. reset travaille avec les </a:t>
+            </a:r>
+            <a:r>
+              <a:rPr lang="fr-FR" dirty="0" err="1"/>
+              <a:t>commits</a:t>
+            </a:r>
+            <a:r>
+              <a:rPr lang="fr-FR" dirty="0"/>
+              <a:t> et le pointeur de branche, tandis que restore travaille avec les modifications du répertoire de travail.</a:t>
+            </a:r>
+          </a:p>
+          <a:p>
+            <a:r>
+              <a:rPr lang="fr-FR" b="1" dirty="0">
+                <a:solidFill>
+                  <a:srgbClr val="FF0000"/>
+                </a:solidFill>
+              </a:rPr>
+              <a:t>git reset </a:t>
+            </a:r>
+            <a:r>
+              <a:rPr lang="fr-FR" dirty="0"/>
+              <a:t>est utilisé pour annuler les </a:t>
+            </a:r>
+            <a:r>
+              <a:rPr lang="fr-FR" dirty="0" err="1"/>
+              <a:t>commits</a:t>
+            </a:r>
+            <a:r>
+              <a:rPr lang="fr-FR" dirty="0"/>
+              <a:t>, en déplaçant le pointeur de branche sur un commit précédent et en détruisant tous les </a:t>
+            </a:r>
+            <a:r>
+              <a:rPr lang="fr-FR" dirty="0" err="1"/>
+              <a:t>commits</a:t>
+            </a:r>
+            <a:r>
+              <a:rPr lang="fr-FR" dirty="0"/>
+              <a:t> qui ont suivi. Il peut également être utilisé pour supprimer les modifications de la zone de </a:t>
+            </a:r>
+            <a:r>
+              <a:rPr lang="fr-FR" dirty="0" err="1"/>
+              <a:t>staging</a:t>
+            </a:r>
+            <a:r>
+              <a:rPr lang="fr-FR" dirty="0"/>
+              <a:t>, en les renvoyant au répertoire de travail.</a:t>
+            </a:r>
+          </a:p>
+          <a:p>
+            <a:r>
+              <a:rPr lang="fr-FR" b="1" dirty="0">
+                <a:solidFill>
+                  <a:srgbClr val="FF0000"/>
+                </a:solidFill>
+              </a:rPr>
+              <a:t>git restore </a:t>
+            </a:r>
+            <a:r>
+              <a:rPr lang="fr-FR" dirty="0"/>
+              <a:t>est utilisé pour annuler les modifications qui ont été apportées au répertoire de travail. Il peut être utilisé pour restaurer les fichiers modifiés ou supprimés à leur état précédent.</a:t>
+            </a:r>
+          </a:p>
+        </p:txBody>
+      </p:sp>
+    </p:spTree>
+    <p:extLst>
+      <p:ext uri="{BB962C8B-B14F-4D97-AF65-F5344CB8AC3E}">
+        <p14:creationId xmlns:p14="http://schemas.microsoft.com/office/powerpoint/2010/main" val="1383212207"/>
+      </p:ext>
+    </p:extLst>
+  </p:cSld>
+  <p:clrMapOvr>
+    <a:masterClrMapping/>
+  </p:clrMapOvr>
+</p:sld>
+</file>
+
+<file path=ppt/slides/slide32.xml><?xml version="1.0" encoding="utf-8"?>
+<p:sld xmlns:a="http://schemas.openxmlformats.org/drawingml/2006/main" xmlns:r="http://schemas.openxmlformats.org/officeDocument/2006/relationships" xmlns:p="http://schemas.openxmlformats.org/presentationml/2006/main">
+  <p:cSld>
+    <p:spTree>
+      <p:nvGrpSpPr>
+        <p:cNvPr id="1" name=""/>
+        <p:cNvGrpSpPr/>
+        <p:nvPr/>
+      </p:nvGrpSpPr>
+      <p:grpSpPr>
+        <a:xfrm>
+          <a:off x="0" y="0"/>
+          <a:ext cx="0" cy="0"/>
+          <a:chOff x="0" y="0"/>
+          <a:chExt cx="0" cy="0"/>
+        </a:xfrm>
+      </p:grpSpPr>
+      <p:sp>
+        <p:nvSpPr>
+          <p:cNvPr id="2" name="Titre 1">
+            <a:extLst>
+              <a:ext uri="{FF2B5EF4-FFF2-40B4-BE49-F238E27FC236}">
+                <a16:creationId xmlns:a16="http://schemas.microsoft.com/office/drawing/2014/main" id="{515A73E4-1DEB-C632-AEC7-CC965E0A9D16}"/>
+              </a:ext>
+            </a:extLst>
+          </p:cNvPr>
+          <p:cNvSpPr>
+            <a:spLocks noGrp="1"/>
+          </p:cNvSpPr>
+          <p:nvPr>
+            <p:ph type="title"/>
+          </p:nvPr>
+        </p:nvSpPr>
+        <p:spPr/>
+        <p:txBody>
+          <a:bodyPr/>
+          <a:lstStyle/>
+          <a:p>
+            <a:r>
+              <a:rPr lang="fr-FR" dirty="0"/>
+              <a:t>Utilisation de restore</a:t>
+            </a:r>
+          </a:p>
+        </p:txBody>
+      </p:sp>
+      <p:sp>
+        <p:nvSpPr>
+          <p:cNvPr id="3" name="Espace réservé du contenu 2">
+            <a:extLst>
+              <a:ext uri="{FF2B5EF4-FFF2-40B4-BE49-F238E27FC236}">
+                <a16:creationId xmlns:a16="http://schemas.microsoft.com/office/drawing/2014/main" id="{8ACA1FBF-A322-15E2-7846-C57DE9BCB12F}"/>
+              </a:ext>
+            </a:extLst>
+          </p:cNvPr>
+          <p:cNvSpPr>
+            <a:spLocks noGrp="1"/>
+          </p:cNvSpPr>
+          <p:nvPr>
+            <p:ph idx="1"/>
+          </p:nvPr>
+        </p:nvSpPr>
+        <p:spPr>
+          <a:xfrm>
+            <a:off x="677334" y="2160589"/>
+            <a:ext cx="5182692" cy="3880773"/>
+          </a:xfrm>
+        </p:spPr>
+        <p:txBody>
+          <a:bodyPr>
+            <a:normAutofit/>
+          </a:bodyPr>
+          <a:lstStyle/>
+          <a:p>
+            <a:r>
+              <a:rPr lang="fr-FR" dirty="0"/>
+              <a:t>Apportez des modifications a votre fichier</a:t>
+            </a:r>
+          </a:p>
+          <a:p>
+            <a:r>
+              <a:rPr lang="fr-FR" dirty="0" err="1"/>
+              <a:t>Stagez</a:t>
+            </a:r>
+            <a:r>
+              <a:rPr lang="fr-FR" dirty="0"/>
+              <a:t> le avec </a:t>
+            </a:r>
+            <a:r>
+              <a:rPr lang="fr-FR" b="1" dirty="0">
+                <a:solidFill>
+                  <a:srgbClr val="FF0000"/>
+                </a:solidFill>
+              </a:rPr>
+              <a:t>git </a:t>
+            </a:r>
+            <a:r>
+              <a:rPr lang="fr-FR" b="1" dirty="0" err="1">
+                <a:solidFill>
+                  <a:srgbClr val="FF0000"/>
+                </a:solidFill>
+              </a:rPr>
+              <a:t>add</a:t>
+            </a:r>
+            <a:r>
+              <a:rPr lang="fr-FR" b="1" dirty="0">
+                <a:solidFill>
+                  <a:srgbClr val="FF0000"/>
+                </a:solidFill>
+              </a:rPr>
+              <a:t> .</a:t>
+            </a:r>
+          </a:p>
+          <a:p>
+            <a:r>
+              <a:rPr lang="fr-FR" dirty="0"/>
+              <a:t>Consultez le </a:t>
+            </a:r>
+            <a:r>
+              <a:rPr lang="fr-FR" dirty="0" err="1"/>
+              <a:t>status</a:t>
+            </a:r>
+            <a:r>
+              <a:rPr lang="fr-FR" dirty="0"/>
+              <a:t> de votre repo</a:t>
+            </a:r>
+          </a:p>
+          <a:p>
+            <a:r>
+              <a:rPr lang="fr-FR" dirty="0"/>
+              <a:t>Tapez </a:t>
+            </a:r>
+            <a:r>
+              <a:rPr lang="fr-FR" b="1" dirty="0">
+                <a:solidFill>
+                  <a:srgbClr val="FF0000"/>
+                </a:solidFill>
+              </a:rPr>
+              <a:t>git restore –-</a:t>
+            </a:r>
+            <a:r>
+              <a:rPr lang="fr-FR" b="1" dirty="0" err="1">
+                <a:solidFill>
+                  <a:srgbClr val="FF0000"/>
+                </a:solidFill>
+              </a:rPr>
+              <a:t>staged</a:t>
+            </a:r>
+            <a:r>
+              <a:rPr lang="fr-FR" b="1" dirty="0">
+                <a:solidFill>
+                  <a:srgbClr val="FF0000"/>
+                </a:solidFill>
+              </a:rPr>
+              <a:t> </a:t>
+            </a:r>
+            <a:r>
+              <a:rPr lang="fr-FR" b="1" dirty="0" err="1">
+                <a:solidFill>
+                  <a:srgbClr val="FF0000"/>
+                </a:solidFill>
+              </a:rPr>
+              <a:t>produit.php</a:t>
+            </a:r>
+            <a:endParaRPr lang="fr-FR" b="1" dirty="0">
+              <a:solidFill>
+                <a:srgbClr val="FF0000"/>
+              </a:solidFill>
+            </a:endParaRPr>
+          </a:p>
+          <a:p>
+            <a:r>
+              <a:rPr lang="fr-FR" dirty="0"/>
+              <a:t>Consultez votre fichier</a:t>
+            </a:r>
+          </a:p>
+          <a:p>
+            <a:r>
+              <a:rPr lang="fr-FR" dirty="0"/>
+              <a:t>Consultez le </a:t>
+            </a:r>
+            <a:r>
+              <a:rPr lang="fr-FR" dirty="0" err="1"/>
+              <a:t>status</a:t>
+            </a:r>
+            <a:r>
+              <a:rPr lang="fr-FR" dirty="0"/>
+              <a:t> de votre repo</a:t>
+            </a:r>
+          </a:p>
+          <a:p>
+            <a:r>
+              <a:rPr lang="fr-FR" dirty="0"/>
+              <a:t>Tapez </a:t>
+            </a:r>
+            <a:r>
+              <a:rPr lang="fr-FR" b="1" dirty="0">
+                <a:solidFill>
+                  <a:srgbClr val="FF0000"/>
+                </a:solidFill>
+              </a:rPr>
+              <a:t>git restore –</a:t>
+            </a:r>
+            <a:r>
+              <a:rPr lang="fr-FR" b="1" dirty="0" err="1">
+                <a:solidFill>
+                  <a:srgbClr val="FF0000"/>
+                </a:solidFill>
+              </a:rPr>
+              <a:t>staged</a:t>
+            </a:r>
+            <a:r>
+              <a:rPr lang="fr-FR" b="1" dirty="0">
+                <a:solidFill>
+                  <a:srgbClr val="FF0000"/>
+                </a:solidFill>
+              </a:rPr>
+              <a:t> </a:t>
+            </a:r>
+            <a:r>
+              <a:rPr lang="fr-FR" b="1" dirty="0" err="1">
+                <a:solidFill>
+                  <a:srgbClr val="FF0000"/>
+                </a:solidFill>
+              </a:rPr>
+              <a:t>produit.php</a:t>
+            </a:r>
+            <a:endParaRPr lang="fr-FR" b="1" dirty="0">
+              <a:solidFill>
+                <a:srgbClr val="FF0000"/>
+              </a:solidFill>
+            </a:endParaRPr>
+          </a:p>
+          <a:p>
+            <a:r>
+              <a:rPr lang="fr-FR" dirty="0"/>
+              <a:t>Consulter votre fichier</a:t>
+            </a:r>
+          </a:p>
+          <a:p>
+            <a:endParaRPr lang="fr-FR" dirty="0"/>
+          </a:p>
+        </p:txBody>
+      </p:sp>
+      <p:sp>
+        <p:nvSpPr>
+          <p:cNvPr id="4" name="Espace réservé du contenu 2">
+            <a:extLst>
+              <a:ext uri="{FF2B5EF4-FFF2-40B4-BE49-F238E27FC236}">
+                <a16:creationId xmlns:a16="http://schemas.microsoft.com/office/drawing/2014/main" id="{3EDB16C4-2400-E692-788B-E3B2CB987DDF}"/>
+              </a:ext>
+            </a:extLst>
+          </p:cNvPr>
+          <p:cNvSpPr txBox="1">
+            <a:spLocks/>
+          </p:cNvSpPr>
+          <p:nvPr/>
+        </p:nvSpPr>
+        <p:spPr>
+          <a:xfrm>
+            <a:off x="6502946" y="2162998"/>
+            <a:ext cx="4479686" cy="3880773"/>
+          </a:xfrm>
+          <a:prstGeom prst="rect">
+            <a:avLst/>
+          </a:prstGeom>
+        </p:spPr>
+        <p:txBody>
+          <a:bodyPr vert="horz" lIns="91440" tIns="45720" rIns="91440" bIns="45720" rtlCol="0">
+            <a:normAutofit/>
+          </a:bodyPr>
+          <a:lstStyle>
+            <a:lvl1pPr marL="342900" indent="-342900" algn="l" defTabSz="457200" rtl="0" eaLnBrk="1" latinLnBrk="0" hangingPunct="1">
+              <a:spcBef>
+                <a:spcPts val="1000"/>
+              </a:spcBef>
+              <a:spcAft>
+                <a:spcPts val="0"/>
+              </a:spcAft>
+              <a:buClr>
+                <a:schemeClr val="accent1"/>
+              </a:buClr>
+              <a:buSzPct val="80000"/>
+              <a:buFont typeface="Wingdings 3" charset="2"/>
+              <a:buChar char=""/>
+              <a:defRPr sz="1800" kern="1200">
+                <a:solidFill>
+                  <a:schemeClr val="tx1">
+                    <a:lumMod val="75000"/>
+                    <a:lumOff val="25000"/>
+                  </a:schemeClr>
+                </a:solidFill>
+                <a:latin typeface="+mn-lt"/>
+                <a:ea typeface="+mn-ea"/>
+                <a:cs typeface="+mn-cs"/>
+              </a:defRPr>
+            </a:lvl1pPr>
+            <a:lvl2pPr marL="742950" indent="-285750" algn="l" defTabSz="457200" rtl="0" eaLnBrk="1" latinLnBrk="0" hangingPunct="1">
+              <a:spcBef>
+                <a:spcPts val="1000"/>
+              </a:spcBef>
+              <a:spcAft>
+                <a:spcPts val="0"/>
+              </a:spcAft>
+              <a:buClr>
+                <a:schemeClr val="accent1"/>
+              </a:buClr>
+              <a:buSzPct val="80000"/>
+              <a:buFont typeface="Wingdings 3" charset="2"/>
+              <a:buChar char=""/>
+              <a:defRPr sz="1600" kern="1200">
+                <a:solidFill>
+                  <a:schemeClr val="tx1">
+                    <a:lumMod val="75000"/>
+                    <a:lumOff val="25000"/>
+                  </a:schemeClr>
+                </a:solidFill>
+                <a:latin typeface="+mn-lt"/>
+                <a:ea typeface="+mn-ea"/>
+                <a:cs typeface="+mn-cs"/>
+              </a:defRPr>
+            </a:lvl2pPr>
+            <a:lvl3pPr marL="1143000" indent="-228600" algn="l" defTabSz="457200" rtl="0" eaLnBrk="1" latinLnBrk="0" hangingPunct="1">
+              <a:spcBef>
+                <a:spcPts val="1000"/>
+              </a:spcBef>
+              <a:spcAft>
+                <a:spcPts val="0"/>
+              </a:spcAft>
+              <a:buClr>
+                <a:schemeClr val="accent1"/>
+              </a:buClr>
+              <a:buSzPct val="80000"/>
+              <a:buFont typeface="Wingdings 3" charset="2"/>
+              <a:buChar char=""/>
+              <a:defRPr sz="1400" kern="1200">
+                <a:solidFill>
+                  <a:schemeClr val="tx1">
+                    <a:lumMod val="75000"/>
+                    <a:lumOff val="25000"/>
+                  </a:schemeClr>
+                </a:solidFill>
+                <a:latin typeface="+mn-lt"/>
+                <a:ea typeface="+mn-ea"/>
+                <a:cs typeface="+mn-cs"/>
+              </a:defRPr>
+            </a:lvl3pPr>
+            <a:lvl4pPr marL="1600200" indent="-228600" algn="l" defTabSz="457200" rtl="0" eaLnBrk="1" latinLnBrk="0" hangingPunct="1">
+              <a:spcBef>
+                <a:spcPts val="1000"/>
+              </a:spcBef>
+              <a:spcAft>
+                <a:spcPts val="0"/>
+              </a:spcAft>
+              <a:buClr>
+                <a:schemeClr val="accent1"/>
+              </a:buClr>
+              <a:buSzPct val="80000"/>
+              <a:buFont typeface="Wingdings 3" charset="2"/>
+              <a:buChar char=""/>
+              <a:defRPr sz="1200" kern="1200">
+                <a:solidFill>
+                  <a:schemeClr val="tx1">
+                    <a:lumMod val="75000"/>
+                    <a:lumOff val="25000"/>
+                  </a:schemeClr>
+                </a:solidFill>
+                <a:latin typeface="+mn-lt"/>
+                <a:ea typeface="+mn-ea"/>
+                <a:cs typeface="+mn-cs"/>
+              </a:defRPr>
+            </a:lvl4pPr>
+            <a:lvl5pPr marL="2057400" indent="-228600" algn="l" defTabSz="457200" rtl="0" eaLnBrk="1" latinLnBrk="0" hangingPunct="1">
+              <a:spcBef>
+                <a:spcPts val="1000"/>
+              </a:spcBef>
+              <a:spcAft>
+                <a:spcPts val="0"/>
+              </a:spcAft>
+              <a:buClr>
+                <a:schemeClr val="accent1"/>
+              </a:buClr>
+              <a:buSzPct val="80000"/>
+              <a:buFont typeface="Wingdings 3" charset="2"/>
+              <a:buChar char=""/>
+              <a:defRPr sz="1200" kern="1200">
+                <a:solidFill>
+                  <a:schemeClr val="tx1">
+                    <a:lumMod val="75000"/>
+                    <a:lumOff val="25000"/>
+                  </a:schemeClr>
+                </a:solidFill>
+                <a:latin typeface="+mn-lt"/>
+                <a:ea typeface="+mn-ea"/>
+                <a:cs typeface="+mn-cs"/>
+              </a:defRPr>
+            </a:lvl5pPr>
+            <a:lvl6pPr marL="2514600" indent="-228600" algn="l" defTabSz="457200" rtl="0" eaLnBrk="1" latinLnBrk="0" hangingPunct="1">
+              <a:spcBef>
+                <a:spcPts val="1000"/>
+              </a:spcBef>
+              <a:spcAft>
+                <a:spcPts val="0"/>
+              </a:spcAft>
+              <a:buClr>
+                <a:schemeClr val="accent1"/>
+              </a:buClr>
+              <a:buSzPct val="80000"/>
+              <a:buFont typeface="Wingdings 3" charset="2"/>
+              <a:buChar char=""/>
+              <a:defRPr sz="1200" kern="1200">
+                <a:solidFill>
+                  <a:schemeClr val="tx1">
+                    <a:lumMod val="75000"/>
+                    <a:lumOff val="25000"/>
+                  </a:schemeClr>
+                </a:solidFill>
+                <a:latin typeface="+mn-lt"/>
+                <a:ea typeface="+mn-ea"/>
+                <a:cs typeface="+mn-cs"/>
+              </a:defRPr>
+            </a:lvl6pPr>
+            <a:lvl7pPr marL="2971800" indent="-228600" algn="l" defTabSz="457200" rtl="0" eaLnBrk="1" latinLnBrk="0" hangingPunct="1">
+              <a:spcBef>
+                <a:spcPts val="1000"/>
+              </a:spcBef>
+              <a:spcAft>
+                <a:spcPts val="0"/>
+              </a:spcAft>
+              <a:buClr>
+                <a:schemeClr val="accent1"/>
+              </a:buClr>
+              <a:buSzPct val="80000"/>
+              <a:buFont typeface="Wingdings 3" charset="2"/>
+              <a:buChar char=""/>
+              <a:defRPr sz="1200" kern="1200">
+                <a:solidFill>
+                  <a:schemeClr val="tx1">
+                    <a:lumMod val="75000"/>
+                    <a:lumOff val="25000"/>
+                  </a:schemeClr>
+                </a:solidFill>
+                <a:latin typeface="+mn-lt"/>
+                <a:ea typeface="+mn-ea"/>
+                <a:cs typeface="+mn-cs"/>
+              </a:defRPr>
+            </a:lvl7pPr>
+            <a:lvl8pPr marL="3429000" indent="-228600" algn="l" defTabSz="457200" rtl="0" eaLnBrk="1" latinLnBrk="0" hangingPunct="1">
+              <a:spcBef>
+                <a:spcPts val="1000"/>
+              </a:spcBef>
+              <a:spcAft>
+                <a:spcPts val="0"/>
+              </a:spcAft>
+              <a:buClr>
+                <a:schemeClr val="accent1"/>
+              </a:buClr>
+              <a:buSzPct val="80000"/>
+              <a:buFont typeface="Wingdings 3" charset="2"/>
+              <a:buChar char=""/>
+              <a:defRPr sz="1200" kern="1200">
+                <a:solidFill>
+                  <a:schemeClr val="tx1">
+                    <a:lumMod val="75000"/>
+                    <a:lumOff val="25000"/>
+                  </a:schemeClr>
+                </a:solidFill>
+                <a:latin typeface="+mn-lt"/>
+                <a:ea typeface="+mn-ea"/>
+                <a:cs typeface="+mn-cs"/>
+              </a:defRPr>
+            </a:lvl8pPr>
+            <a:lvl9pPr marL="3886200" indent="-228600" algn="l" defTabSz="457200" rtl="0" eaLnBrk="1" latinLnBrk="0" hangingPunct="1">
+              <a:spcBef>
+                <a:spcPts val="1000"/>
+              </a:spcBef>
+              <a:spcAft>
+                <a:spcPts val="0"/>
+              </a:spcAft>
+              <a:buClr>
+                <a:schemeClr val="accent1"/>
+              </a:buClr>
+              <a:buSzPct val="80000"/>
+              <a:buFont typeface="Wingdings 3" charset="2"/>
+              <a:buChar char=""/>
+              <a:defRPr sz="1200" kern="1200">
+                <a:solidFill>
+                  <a:schemeClr val="tx1">
+                    <a:lumMod val="75000"/>
+                    <a:lumOff val="25000"/>
+                  </a:schemeClr>
+                </a:solidFill>
+                <a:latin typeface="+mn-lt"/>
+                <a:ea typeface="+mn-ea"/>
+                <a:cs typeface="+mn-cs"/>
+              </a:defRPr>
+            </a:lvl9pPr>
+          </a:lstStyle>
+          <a:p>
+            <a:r>
+              <a:rPr lang="fr-FR" sz="1600" dirty="0"/>
+              <a:t>Supprimer votre fichier</a:t>
+            </a:r>
+          </a:p>
+          <a:p>
+            <a:r>
+              <a:rPr lang="fr-FR" sz="1600" dirty="0" err="1"/>
+              <a:t>Stagez</a:t>
+            </a:r>
+            <a:r>
+              <a:rPr lang="fr-FR" sz="1600" dirty="0"/>
+              <a:t> la </a:t>
+            </a:r>
+            <a:r>
+              <a:rPr lang="fr-FR" sz="1600" dirty="0" err="1"/>
+              <a:t>modif</a:t>
+            </a:r>
+            <a:r>
+              <a:rPr lang="fr-FR" sz="1600" dirty="0"/>
+              <a:t> avec </a:t>
+            </a:r>
+            <a:r>
+              <a:rPr lang="fr-FR" sz="1600" b="1" dirty="0">
+                <a:solidFill>
+                  <a:srgbClr val="FF0000"/>
+                </a:solidFill>
+              </a:rPr>
+              <a:t>git </a:t>
+            </a:r>
+            <a:r>
+              <a:rPr lang="fr-FR" sz="1600" b="1" dirty="0" err="1">
+                <a:solidFill>
+                  <a:srgbClr val="FF0000"/>
+                </a:solidFill>
+              </a:rPr>
+              <a:t>add</a:t>
+            </a:r>
+            <a:r>
+              <a:rPr lang="fr-FR" sz="1600" b="1" dirty="0">
+                <a:solidFill>
+                  <a:srgbClr val="FF0000"/>
+                </a:solidFill>
+              </a:rPr>
+              <a:t> –all</a:t>
+            </a:r>
+          </a:p>
+          <a:p>
+            <a:r>
+              <a:rPr lang="fr-FR" sz="1600" dirty="0"/>
+              <a:t>Cherchez votre fichier</a:t>
+            </a:r>
+          </a:p>
+          <a:p>
+            <a:r>
+              <a:rPr lang="fr-FR" sz="1600" dirty="0"/>
+              <a:t>Tapez </a:t>
+            </a:r>
+            <a:r>
+              <a:rPr lang="fr-FR" sz="1600" b="1" dirty="0">
+                <a:solidFill>
+                  <a:srgbClr val="FF0000"/>
+                </a:solidFill>
+              </a:rPr>
+              <a:t>git restore –-</a:t>
+            </a:r>
+            <a:r>
+              <a:rPr lang="fr-FR" sz="1600" b="1" dirty="0" err="1">
+                <a:solidFill>
+                  <a:srgbClr val="FF0000"/>
+                </a:solidFill>
+              </a:rPr>
+              <a:t>staget</a:t>
+            </a:r>
+            <a:r>
+              <a:rPr lang="fr-FR" sz="1600" b="1" dirty="0">
+                <a:solidFill>
+                  <a:srgbClr val="FF0000"/>
+                </a:solidFill>
+              </a:rPr>
+              <a:t> </a:t>
+            </a:r>
+            <a:r>
+              <a:rPr lang="fr-FR" sz="1600" b="1" dirty="0" err="1">
+                <a:solidFill>
+                  <a:srgbClr val="FF0000"/>
+                </a:solidFill>
+              </a:rPr>
+              <a:t>produit.php</a:t>
+            </a:r>
+            <a:endParaRPr lang="fr-FR" sz="1600" b="1" dirty="0">
+              <a:solidFill>
+                <a:srgbClr val="FF0000"/>
+              </a:solidFill>
+            </a:endParaRPr>
+          </a:p>
+          <a:p>
+            <a:r>
+              <a:rPr lang="fr-FR" sz="1600" dirty="0"/>
+              <a:t>Tapez </a:t>
+            </a:r>
+            <a:r>
+              <a:rPr lang="fr-FR" sz="1600" b="1" dirty="0">
+                <a:solidFill>
+                  <a:srgbClr val="FF0000"/>
+                </a:solidFill>
+              </a:rPr>
+              <a:t>git restore </a:t>
+            </a:r>
+            <a:r>
+              <a:rPr lang="fr-FR" sz="1600" b="1" dirty="0" err="1">
+                <a:solidFill>
+                  <a:srgbClr val="FF0000"/>
+                </a:solidFill>
+              </a:rPr>
+              <a:t>produit.php</a:t>
+            </a:r>
+            <a:endParaRPr lang="fr-FR" sz="1600" b="1" dirty="0">
+              <a:solidFill>
+                <a:srgbClr val="FF0000"/>
+              </a:solidFill>
+            </a:endParaRPr>
+          </a:p>
+          <a:p>
+            <a:r>
+              <a:rPr lang="fr-FR" sz="1600" dirty="0"/>
+              <a:t>Cherchez votre fichier</a:t>
+            </a:r>
+          </a:p>
+          <a:p>
+            <a:r>
+              <a:rPr lang="fr-FR" sz="1600" dirty="0"/>
+              <a:t>Consultez votre fichier</a:t>
+            </a:r>
+          </a:p>
+        </p:txBody>
+      </p:sp>
+    </p:spTree>
+    <p:extLst>
+      <p:ext uri="{BB962C8B-B14F-4D97-AF65-F5344CB8AC3E}">
+        <p14:creationId xmlns:p14="http://schemas.microsoft.com/office/powerpoint/2010/main" val="526831809"/>
       </p:ext>
     </p:extLst>
   </p:cSld>
